--- a/정리.pptx
+++ b/정리.pptx
@@ -4364,7 +4364,7 @@
           <a:p>
             <a:fld id="{D1E33AD7-BC83-4B04-A290-E18617224CA7}" type="datetimeFigureOut">
               <a:rPr lang="ko-KR" altLang="en-US" smtClean="0"/>
-              <a:t>2022-06-22</a:t>
+              <a:t>2022-09-09</a:t>
             </a:fld>
             <a:endParaRPr lang="ko-KR" altLang="en-US"/>
           </a:p>
@@ -7634,7 +7634,7 @@
           <a:p>
             <a:fld id="{B5736151-28D1-4A43-B664-CE0AE7ABDD57}" type="datetime1">
               <a:rPr lang="ko-KR" altLang="en-US" smtClean="0"/>
-              <a:t>2022-06-22</a:t>
+              <a:t>2022-09-09</a:t>
             </a:fld>
             <a:endParaRPr lang="ko-KR" altLang="en-US"/>
           </a:p>
@@ -7832,7 +7832,7 @@
           <a:p>
             <a:fld id="{AFCD485C-5F8C-46A2-816B-65C5CFDB3E60}" type="datetime1">
               <a:rPr lang="ko-KR" altLang="en-US" smtClean="0"/>
-              <a:t>2022-06-22</a:t>
+              <a:t>2022-09-09</a:t>
             </a:fld>
             <a:endParaRPr lang="ko-KR" altLang="en-US"/>
           </a:p>
@@ -8040,7 +8040,7 @@
           <a:p>
             <a:fld id="{854C4AC3-D0D4-4317-A3D5-6175C0C07788}" type="datetime1">
               <a:rPr lang="ko-KR" altLang="en-US" smtClean="0"/>
-              <a:t>2022-06-22</a:t>
+              <a:t>2022-09-09</a:t>
             </a:fld>
             <a:endParaRPr lang="ko-KR" altLang="en-US"/>
           </a:p>
@@ -8238,7 +8238,7 @@
           <a:p>
             <a:fld id="{E07AE019-52FC-4015-9EED-6EB904ADBE94}" type="datetime1">
               <a:rPr lang="ko-KR" altLang="en-US" smtClean="0"/>
-              <a:t>2022-06-22</a:t>
+              <a:t>2022-09-09</a:t>
             </a:fld>
             <a:endParaRPr lang="ko-KR" altLang="en-US"/>
           </a:p>
@@ -8513,7 +8513,7 @@
           <a:p>
             <a:fld id="{BD26CFE9-4973-4FF7-90A7-FA8BEA6BBBE0}" type="datetime1">
               <a:rPr lang="ko-KR" altLang="en-US" smtClean="0"/>
-              <a:t>2022-06-22</a:t>
+              <a:t>2022-09-09</a:t>
             </a:fld>
             <a:endParaRPr lang="ko-KR" altLang="en-US"/>
           </a:p>
@@ -8778,7 +8778,7 @@
           <a:p>
             <a:fld id="{CEA84697-7E2B-471E-B00B-79D3E911A48A}" type="datetime1">
               <a:rPr lang="ko-KR" altLang="en-US" smtClean="0"/>
-              <a:t>2022-06-22</a:t>
+              <a:t>2022-09-09</a:t>
             </a:fld>
             <a:endParaRPr lang="ko-KR" altLang="en-US"/>
           </a:p>
@@ -9190,7 +9190,7 @@
           <a:p>
             <a:fld id="{6B0884DD-E891-4525-A9B6-0981EC9A2173}" type="datetime1">
               <a:rPr lang="ko-KR" altLang="en-US" smtClean="0"/>
-              <a:t>2022-06-22</a:t>
+              <a:t>2022-09-09</a:t>
             </a:fld>
             <a:endParaRPr lang="ko-KR" altLang="en-US"/>
           </a:p>
@@ -9331,7 +9331,7 @@
           <a:p>
             <a:fld id="{9722E59D-C427-421A-AF9E-4668C7EFB09C}" type="datetime1">
               <a:rPr lang="ko-KR" altLang="en-US" smtClean="0"/>
-              <a:t>2022-06-22</a:t>
+              <a:t>2022-09-09</a:t>
             </a:fld>
             <a:endParaRPr lang="ko-KR" altLang="en-US"/>
           </a:p>
@@ -9444,7 +9444,7 @@
           <a:p>
             <a:fld id="{A40BC51C-4EC0-4822-A46A-447FA062B283}" type="datetime1">
               <a:rPr lang="ko-KR" altLang="en-US" smtClean="0"/>
-              <a:t>2022-06-22</a:t>
+              <a:t>2022-09-09</a:t>
             </a:fld>
             <a:endParaRPr lang="ko-KR" altLang="en-US"/>
           </a:p>
@@ -9755,7 +9755,7 @@
           <a:p>
             <a:fld id="{F0584BE6-4AA2-4C67-A5D9-D763A64EB6B2}" type="datetime1">
               <a:rPr lang="ko-KR" altLang="en-US" smtClean="0"/>
-              <a:t>2022-06-22</a:t>
+              <a:t>2022-09-09</a:t>
             </a:fld>
             <a:endParaRPr lang="ko-KR" altLang="en-US"/>
           </a:p>
@@ -10043,7 +10043,7 @@
           <a:p>
             <a:fld id="{702710CE-1A56-440D-848D-5373847D558B}" type="datetime1">
               <a:rPr lang="ko-KR" altLang="en-US" smtClean="0"/>
-              <a:t>2022-06-22</a:t>
+              <a:t>2022-09-09</a:t>
             </a:fld>
             <a:endParaRPr lang="ko-KR" altLang="en-US"/>
           </a:p>
@@ -10284,7 +10284,7 @@
           <a:p>
             <a:fld id="{F0D0604E-48D7-4BB1-A29D-F7A6474B98E2}" type="datetime1">
               <a:rPr lang="ko-KR" altLang="en-US" smtClean="0"/>
-              <a:t>2022-06-22</a:t>
+              <a:t>2022-09-09</a:t>
             </a:fld>
             <a:endParaRPr lang="ko-KR" altLang="en-US"/>
           </a:p>
@@ -18274,8 +18274,8 @@
             <a:chExt cx="3865680" cy="1902960"/>
           </a:xfrm>
         </p:grpSpPr>
-        <mc:AlternateContent xmlns:mc="http://schemas.openxmlformats.org/markup-compatibility/2006">
-          <mc:Choice xmlns:p14="http://schemas.microsoft.com/office/powerpoint/2010/main" Requires="p14">
+        <mc:AlternateContent xmlns:mc="http://schemas.openxmlformats.org/markup-compatibility/2006" xmlns:p14="http://schemas.microsoft.com/office/powerpoint/2010/main">
+          <mc:Choice Requires="p14">
             <p:contentPart p14:bwMode="auto" r:id="rId3">
               <p14:nvContentPartPr>
                 <p14:cNvPr id="43" name="잉크 42">
@@ -18294,7 +18294,7 @@
               </p14:xfrm>
             </p:contentPart>
           </mc:Choice>
-          <mc:Fallback>
+          <mc:Fallback xmlns="">
             <p:pic>
               <p:nvPicPr>
                 <p:cNvPr id="43" name="잉크 42">
@@ -18325,8 +18325,8 @@
             </p:pic>
           </mc:Fallback>
         </mc:AlternateContent>
-        <mc:AlternateContent xmlns:mc="http://schemas.openxmlformats.org/markup-compatibility/2006">
-          <mc:Choice xmlns:p14="http://schemas.microsoft.com/office/powerpoint/2010/main" Requires="p14">
+        <mc:AlternateContent xmlns:mc="http://schemas.openxmlformats.org/markup-compatibility/2006" xmlns:p14="http://schemas.microsoft.com/office/powerpoint/2010/main">
+          <mc:Choice Requires="p14">
             <p:contentPart p14:bwMode="auto" r:id="rId5">
               <p14:nvContentPartPr>
                 <p14:cNvPr id="44" name="잉크 43">
@@ -18345,7 +18345,7 @@
               </p14:xfrm>
             </p:contentPart>
           </mc:Choice>
-          <mc:Fallback>
+          <mc:Fallback xmlns="">
             <p:pic>
               <p:nvPicPr>
                 <p:cNvPr id="44" name="잉크 43">
@@ -18377,8 +18377,8 @@
           </mc:Fallback>
         </mc:AlternateContent>
       </p:grpSp>
-      <mc:AlternateContent xmlns:mc="http://schemas.openxmlformats.org/markup-compatibility/2006">
-        <mc:Choice xmlns:p14="http://schemas.microsoft.com/office/powerpoint/2010/main" Requires="p14">
+      <mc:AlternateContent xmlns:mc="http://schemas.openxmlformats.org/markup-compatibility/2006" xmlns:p14="http://schemas.microsoft.com/office/powerpoint/2010/main">
+        <mc:Choice Requires="p14">
           <p:contentPart p14:bwMode="auto" r:id="rId7">
             <p14:nvContentPartPr>
               <p14:cNvPr id="46" name="잉크 45">
@@ -18397,7 +18397,7 @@
             </p14:xfrm>
           </p:contentPart>
         </mc:Choice>
-        <mc:Fallback>
+        <mc:Fallback xmlns="">
           <p:pic>
             <p:nvPicPr>
               <p:cNvPr id="46" name="잉크 45">
@@ -18448,8 +18448,8 @@
             <a:chExt cx="3765960" cy="2194200"/>
           </a:xfrm>
         </p:grpSpPr>
-        <mc:AlternateContent xmlns:mc="http://schemas.openxmlformats.org/markup-compatibility/2006">
-          <mc:Choice xmlns:p14="http://schemas.microsoft.com/office/powerpoint/2010/main" Requires="p14">
+        <mc:AlternateContent xmlns:mc="http://schemas.openxmlformats.org/markup-compatibility/2006" xmlns:p14="http://schemas.microsoft.com/office/powerpoint/2010/main">
+          <mc:Choice Requires="p14">
             <p:contentPart p14:bwMode="auto" r:id="rId9">
               <p14:nvContentPartPr>
                 <p14:cNvPr id="47" name="잉크 46">
@@ -18468,7 +18468,7 @@
               </p14:xfrm>
             </p:contentPart>
           </mc:Choice>
-          <mc:Fallback>
+          <mc:Fallback xmlns="">
             <p:pic>
               <p:nvPicPr>
                 <p:cNvPr id="47" name="잉크 46">
@@ -18499,8 +18499,8 @@
             </p:pic>
           </mc:Fallback>
         </mc:AlternateContent>
-        <mc:AlternateContent xmlns:mc="http://schemas.openxmlformats.org/markup-compatibility/2006">
-          <mc:Choice xmlns:p14="http://schemas.microsoft.com/office/powerpoint/2010/main" Requires="p14">
+        <mc:AlternateContent xmlns:mc="http://schemas.openxmlformats.org/markup-compatibility/2006" xmlns:p14="http://schemas.microsoft.com/office/powerpoint/2010/main">
+          <mc:Choice Requires="p14">
             <p:contentPart p14:bwMode="auto" r:id="rId11">
               <p14:nvContentPartPr>
                 <p14:cNvPr id="48" name="잉크 47">
@@ -18519,7 +18519,7 @@
               </p14:xfrm>
             </p:contentPart>
           </mc:Choice>
-          <mc:Fallback>
+          <mc:Fallback xmlns="">
             <p:pic>
               <p:nvPicPr>
                 <p:cNvPr id="48" name="잉크 47">
@@ -18551,8 +18551,8 @@
           </mc:Fallback>
         </mc:AlternateContent>
       </p:grpSp>
-      <mc:AlternateContent xmlns:mc="http://schemas.openxmlformats.org/markup-compatibility/2006">
-        <mc:Choice xmlns:p14="http://schemas.microsoft.com/office/powerpoint/2010/main" Requires="p14">
+      <mc:AlternateContent xmlns:mc="http://schemas.openxmlformats.org/markup-compatibility/2006" xmlns:p14="http://schemas.microsoft.com/office/powerpoint/2010/main">
+        <mc:Choice Requires="p14">
           <p:contentPart p14:bwMode="auto" r:id="rId13">
             <p14:nvContentPartPr>
               <p14:cNvPr id="50" name="잉크 49">
@@ -18571,7 +18571,7 @@
             </p14:xfrm>
           </p:contentPart>
         </mc:Choice>
-        <mc:Fallback>
+        <mc:Fallback xmlns="">
           <p:pic>
             <p:nvPicPr>
               <p:cNvPr id="50" name="잉크 49">
@@ -20605,8 +20605,8 @@
             <a:chExt cx="1102320" cy="629640"/>
           </a:xfrm>
         </p:grpSpPr>
-        <mc:AlternateContent xmlns:mc="http://schemas.openxmlformats.org/markup-compatibility/2006">
-          <mc:Choice xmlns:p14="http://schemas.microsoft.com/office/powerpoint/2010/main" Requires="p14">
+        <mc:AlternateContent xmlns:mc="http://schemas.openxmlformats.org/markup-compatibility/2006" xmlns:p14="http://schemas.microsoft.com/office/powerpoint/2010/main">
+          <mc:Choice Requires="p14">
             <p:contentPart p14:bwMode="auto" r:id="rId4">
               <p14:nvContentPartPr>
                 <p14:cNvPr id="6" name="잉크 5">
@@ -20625,7 +20625,7 @@
               </p14:xfrm>
             </p:contentPart>
           </mc:Choice>
-          <mc:Fallback>
+          <mc:Fallback xmlns="">
             <p:pic>
               <p:nvPicPr>
                 <p:cNvPr id="6" name="잉크 5">
@@ -20656,8 +20656,8 @@
             </p:pic>
           </mc:Fallback>
         </mc:AlternateContent>
-        <mc:AlternateContent xmlns:mc="http://schemas.openxmlformats.org/markup-compatibility/2006">
-          <mc:Choice xmlns:p14="http://schemas.microsoft.com/office/powerpoint/2010/main" Requires="p14">
+        <mc:AlternateContent xmlns:mc="http://schemas.openxmlformats.org/markup-compatibility/2006" xmlns:p14="http://schemas.microsoft.com/office/powerpoint/2010/main">
+          <mc:Choice Requires="p14">
             <p:contentPart p14:bwMode="auto" r:id="rId6">
               <p14:nvContentPartPr>
                 <p14:cNvPr id="7" name="잉크 6">
@@ -20676,7 +20676,7 @@
               </p14:xfrm>
             </p:contentPart>
           </mc:Choice>
-          <mc:Fallback>
+          <mc:Fallback xmlns="">
             <p:pic>
               <p:nvPicPr>
                 <p:cNvPr id="7" name="잉크 6">
@@ -20707,8 +20707,8 @@
             </p:pic>
           </mc:Fallback>
         </mc:AlternateContent>
-        <mc:AlternateContent xmlns:mc="http://schemas.openxmlformats.org/markup-compatibility/2006">
-          <mc:Choice xmlns:p14="http://schemas.microsoft.com/office/powerpoint/2010/main" Requires="p14">
+        <mc:AlternateContent xmlns:mc="http://schemas.openxmlformats.org/markup-compatibility/2006" xmlns:p14="http://schemas.microsoft.com/office/powerpoint/2010/main">
+          <mc:Choice Requires="p14">
             <p:contentPart p14:bwMode="auto" r:id="rId8">
               <p14:nvContentPartPr>
                 <p14:cNvPr id="9" name="잉크 8">
@@ -20727,7 +20727,7 @@
               </p14:xfrm>
             </p:contentPart>
           </mc:Choice>
-          <mc:Fallback>
+          <mc:Fallback xmlns="">
             <p:pic>
               <p:nvPicPr>
                 <p:cNvPr id="9" name="잉크 8">
@@ -20758,8 +20758,8 @@
             </p:pic>
           </mc:Fallback>
         </mc:AlternateContent>
-        <mc:AlternateContent xmlns:mc="http://schemas.openxmlformats.org/markup-compatibility/2006">
-          <mc:Choice xmlns:p14="http://schemas.microsoft.com/office/powerpoint/2010/main" Requires="p14">
+        <mc:AlternateContent xmlns:mc="http://schemas.openxmlformats.org/markup-compatibility/2006" xmlns:p14="http://schemas.microsoft.com/office/powerpoint/2010/main">
+          <mc:Choice Requires="p14">
             <p:contentPart p14:bwMode="auto" r:id="rId10">
               <p14:nvContentPartPr>
                 <p14:cNvPr id="10" name="잉크 9">
@@ -20778,7 +20778,7 @@
               </p14:xfrm>
             </p:contentPart>
           </mc:Choice>
-          <mc:Fallback>
+          <mc:Fallback xmlns="">
             <p:pic>
               <p:nvPicPr>
                 <p:cNvPr id="10" name="잉크 9">
@@ -20830,8 +20830,8 @@
             <a:chExt cx="402120" cy="1168560"/>
           </a:xfrm>
         </p:grpSpPr>
-        <mc:AlternateContent xmlns:mc="http://schemas.openxmlformats.org/markup-compatibility/2006">
-          <mc:Choice xmlns:p14="http://schemas.microsoft.com/office/powerpoint/2010/main" Requires="p14">
+        <mc:AlternateContent xmlns:mc="http://schemas.openxmlformats.org/markup-compatibility/2006" xmlns:p14="http://schemas.microsoft.com/office/powerpoint/2010/main">
+          <mc:Choice Requires="p14">
             <p:contentPart p14:bwMode="auto" r:id="rId12">
               <p14:nvContentPartPr>
                 <p14:cNvPr id="12" name="잉크 11">
@@ -20850,7 +20850,7 @@
               </p14:xfrm>
             </p:contentPart>
           </mc:Choice>
-          <mc:Fallback>
+          <mc:Fallback xmlns="">
             <p:pic>
               <p:nvPicPr>
                 <p:cNvPr id="12" name="잉크 11">
@@ -20881,8 +20881,8 @@
             </p:pic>
           </mc:Fallback>
         </mc:AlternateContent>
-        <mc:AlternateContent xmlns:mc="http://schemas.openxmlformats.org/markup-compatibility/2006">
-          <mc:Choice xmlns:p14="http://schemas.microsoft.com/office/powerpoint/2010/main" Requires="p14">
+        <mc:AlternateContent xmlns:mc="http://schemas.openxmlformats.org/markup-compatibility/2006" xmlns:p14="http://schemas.microsoft.com/office/powerpoint/2010/main">
+          <mc:Choice Requires="p14">
             <p:contentPart p14:bwMode="auto" r:id="rId14">
               <p14:nvContentPartPr>
                 <p14:cNvPr id="13" name="잉크 12">
@@ -20901,7 +20901,7 @@
               </p14:xfrm>
             </p:contentPart>
           </mc:Choice>
-          <mc:Fallback>
+          <mc:Fallback xmlns="">
             <p:pic>
               <p:nvPicPr>
                 <p:cNvPr id="13" name="잉크 12">
@@ -20932,8 +20932,8 @@
             </p:pic>
           </mc:Fallback>
         </mc:AlternateContent>
-        <mc:AlternateContent xmlns:mc="http://schemas.openxmlformats.org/markup-compatibility/2006">
-          <mc:Choice xmlns:p14="http://schemas.microsoft.com/office/powerpoint/2010/main" Requires="p14">
+        <mc:AlternateContent xmlns:mc="http://schemas.openxmlformats.org/markup-compatibility/2006" xmlns:p14="http://schemas.microsoft.com/office/powerpoint/2010/main">
+          <mc:Choice Requires="p14">
             <p:contentPart p14:bwMode="auto" r:id="rId16">
               <p14:nvContentPartPr>
                 <p14:cNvPr id="15" name="잉크 14">
@@ -20952,7 +20952,7 @@
               </p14:xfrm>
             </p:contentPart>
           </mc:Choice>
-          <mc:Fallback>
+          <mc:Fallback xmlns="">
             <p:pic>
               <p:nvPicPr>
                 <p:cNvPr id="15" name="잉크 14">
@@ -20983,8 +20983,8 @@
             </p:pic>
           </mc:Fallback>
         </mc:AlternateContent>
-        <mc:AlternateContent xmlns:mc="http://schemas.openxmlformats.org/markup-compatibility/2006">
-          <mc:Choice xmlns:p14="http://schemas.microsoft.com/office/powerpoint/2010/main" Requires="p14">
+        <mc:AlternateContent xmlns:mc="http://schemas.openxmlformats.org/markup-compatibility/2006" xmlns:p14="http://schemas.microsoft.com/office/powerpoint/2010/main">
+          <mc:Choice Requires="p14">
             <p:contentPart p14:bwMode="auto" r:id="rId18">
               <p14:nvContentPartPr>
                 <p14:cNvPr id="16" name="잉크 15">
@@ -21003,7 +21003,7 @@
               </p14:xfrm>
             </p:contentPart>
           </mc:Choice>
-          <mc:Fallback>
+          <mc:Fallback xmlns="">
             <p:pic>
               <p:nvPicPr>
                 <p:cNvPr id="16" name="잉크 15">
@@ -22527,55 +22527,11 @@
             </a:r>
             <a:r>
               <a:rPr lang="en-US" altLang="ko-KR" sz="2000" dirty="0"/>
-              <a:t>O(V+E)</a:t>
-            </a:r>
-            <a:r>
-              <a:rPr lang="ko-KR" altLang="en-US" sz="2000" dirty="0"/>
-              <a:t>인데 우리는 위</a:t>
-            </a:r>
-            <a:r>
-              <a:rPr lang="en-US" altLang="ko-KR" sz="2000" dirty="0"/>
-              <a:t>, </a:t>
-            </a:r>
-            <a:r>
-              <a:rPr lang="ko-KR" altLang="en-US" sz="2000" dirty="0"/>
-              <a:t>아래</a:t>
-            </a:r>
-            <a:r>
-              <a:rPr lang="en-US" altLang="ko-KR" sz="2000" dirty="0"/>
-              <a:t>, </a:t>
-            </a:r>
-            <a:r>
-              <a:rPr lang="ko-KR" altLang="en-US" sz="2000" dirty="0"/>
-              <a:t>왼쪽</a:t>
-            </a:r>
-            <a:r>
-              <a:rPr lang="en-US" altLang="ko-KR" sz="2000" dirty="0"/>
-              <a:t>, </a:t>
-            </a:r>
-            <a:r>
-              <a:rPr lang="ko-KR" altLang="en-US" sz="2000" dirty="0"/>
-              <a:t>오른쪽의 </a:t>
-            </a:r>
-            <a:r>
-              <a:rPr lang="en-US" altLang="ko-KR" sz="2000" dirty="0"/>
-              <a:t>4</a:t>
-            </a:r>
-            <a:r>
-              <a:rPr lang="ko-KR" altLang="en-US" sz="2000" dirty="0"/>
-              <a:t>방향 밖에 이동하지 않으므로 사실상 시간 복잡도는 </a:t>
-            </a:r>
-            <a:r>
-              <a:rPr lang="en-US" altLang="ko-KR" sz="2000" dirty="0"/>
-              <a:t>O(V)</a:t>
-            </a:r>
-            <a:r>
-              <a:rPr lang="ko-KR" altLang="en-US" sz="2000" dirty="0"/>
-              <a:t>라고 볼 수 있고</a:t>
-            </a:r>
-            <a:r>
-              <a:rPr lang="en-US" altLang="ko-KR" sz="2000" dirty="0"/>
-              <a:t>, </a:t>
+              <a:t>O(V+</a:t>
+            </a:r>
+            <a:r>
+              <a:rPr lang="en-US" altLang="ko-KR" sz="2000"/>
+              <a:t>E), </a:t>
             </a:r>
             <a:r>
               <a:rPr lang="ko-KR" altLang="en-US" sz="2000" dirty="0"/>
